--- a/presentation/Mid-bootcamp project.pptx
+++ b/presentation/Mid-bootcamp project.pptx
@@ -16391,6 +16391,18 @@
             <a:endParaRPr lang="en-US" dirty="0"/>
           </a:p>
           <a:p>
+            <a:r>
+              <a:rPr lang="en-US" dirty="0" err="1"/>
+              <a:t>Zsanett</a:t>
+            </a:r>
+            <a:r>
+              <a:rPr lang="en-US" dirty="0"/>
+              <a:t> </a:t>
+            </a:r>
+            <a:r>
+              <a:rPr lang="en-US" dirty="0" err="1"/>
+              <a:t>Borsos</a:t>
+            </a:r>
             <a:endParaRPr lang="en-US" dirty="0"/>
           </a:p>
           <a:p>
@@ -16721,10 +16733,10 @@
       </p:pic>
       <p:pic>
         <p:nvPicPr>
-          <p:cNvPr id="22" name="Picture 21">
+          <p:cNvPr id="4" name="Picture 3">
             <a:extLst>
               <a:ext uri="{FF2B5EF4-FFF2-40B4-BE49-F238E27FC236}">
-                <a16:creationId xmlns:a16="http://schemas.microsoft.com/office/drawing/2014/main" id="{FF3C6488-491B-4CC9-AE50-1238E728DFA7}"/>
+                <a16:creationId xmlns:a16="http://schemas.microsoft.com/office/drawing/2014/main" id="{A9944491-F773-459A-9CA0-0E3763946E9A}"/>
               </a:ext>
             </a:extLst>
           </p:cNvPr>
@@ -16741,8 +16753,8 @@
         </p:blipFill>
         <p:spPr>
           <a:xfrm>
-            <a:off x="3054487" y="1584328"/>
-            <a:ext cx="4906302" cy="1788195"/>
+            <a:off x="2990153" y="1490721"/>
+            <a:ext cx="5150670" cy="2298638"/>
           </a:xfrm>
           <a:prstGeom prst="rect">
             <a:avLst/>
@@ -16751,10 +16763,10 @@
       </p:pic>
       <p:pic>
         <p:nvPicPr>
-          <p:cNvPr id="24" name="Picture 23">
+          <p:cNvPr id="6" name="Picture 5">
             <a:extLst>
               <a:ext uri="{FF2B5EF4-FFF2-40B4-BE49-F238E27FC236}">
-                <a16:creationId xmlns:a16="http://schemas.microsoft.com/office/drawing/2014/main" id="{62590EB9-4D30-410A-90DB-1F05D004D586}"/>
+                <a16:creationId xmlns:a16="http://schemas.microsoft.com/office/drawing/2014/main" id="{5D080459-2FF1-4E0D-BDDE-658BFB1C9D99}"/>
               </a:ext>
             </a:extLst>
           </p:cNvPr>
@@ -16771,8 +16783,8 @@
         </p:blipFill>
         <p:spPr>
           <a:xfrm>
-            <a:off x="721403" y="4251380"/>
-            <a:ext cx="5155614" cy="1936356"/>
+            <a:off x="691078" y="4098012"/>
+            <a:ext cx="5404920" cy="2498097"/>
           </a:xfrm>
           <a:prstGeom prst="rect">
             <a:avLst/>
@@ -16781,10 +16793,10 @@
       </p:pic>
       <p:pic>
         <p:nvPicPr>
-          <p:cNvPr id="26" name="Picture 25">
+          <p:cNvPr id="8" name="Picture 7">
             <a:extLst>
               <a:ext uri="{FF2B5EF4-FFF2-40B4-BE49-F238E27FC236}">
-                <a16:creationId xmlns:a16="http://schemas.microsoft.com/office/drawing/2014/main" id="{3E2ED675-A828-4EA8-8443-86BB78440EC9}"/>
+                <a16:creationId xmlns:a16="http://schemas.microsoft.com/office/drawing/2014/main" id="{CFB7FB0F-1DF6-4C27-AC45-B335881E3021}"/>
               </a:ext>
             </a:extLst>
           </p:cNvPr>
@@ -16801,8 +16813,8 @@
         </p:blipFill>
         <p:spPr>
           <a:xfrm>
-            <a:off x="5995698" y="4220310"/>
-            <a:ext cx="5349963" cy="1967425"/>
+            <a:off x="6095998" y="4109362"/>
+            <a:ext cx="5663175" cy="2488602"/>
           </a:xfrm>
           <a:prstGeom prst="rect">
             <a:avLst/>
@@ -16853,7 +16865,7 @@
                                           </p:stCondLst>
                                         </p:cTn>
                                         <p:tgtEl>
-                                          <p:spTgt spid="22"/>
+                                          <p:spTgt spid="4"/>
                                         </p:tgtEl>
                                         <p:attrNameLst>
                                           <p:attrName>style.visibility</p:attrName>
@@ -16898,7 +16910,7 @@
                                           </p:stCondLst>
                                         </p:cTn>
                                         <p:tgtEl>
-                                          <p:spTgt spid="24"/>
+                                          <p:spTgt spid="6"/>
                                         </p:tgtEl>
                                         <p:attrNameLst>
                                           <p:attrName>style.visibility</p:attrName>
@@ -16943,7 +16955,7 @@
                                           </p:stCondLst>
                                         </p:cTn>
                                         <p:tgtEl>
-                                          <p:spTgt spid="26"/>
+                                          <p:spTgt spid="8"/>
                                         </p:tgtEl>
                                         <p:attrNameLst>
                                           <p:attrName>style.visibility</p:attrName>
@@ -17118,7 +17130,7 @@
         </p:nvSpPr>
         <p:spPr>
           <a:xfrm>
-            <a:off x="5991574" y="3778243"/>
+            <a:off x="6095998" y="3102325"/>
             <a:ext cx="3819525" cy="369332"/>
           </a:xfrm>
           <a:prstGeom prst="rect">
@@ -17171,10 +17183,10 @@
       </p:pic>
       <p:pic>
         <p:nvPicPr>
-          <p:cNvPr id="15" name="Picture 14">
+          <p:cNvPr id="4" name="Picture 3">
             <a:extLst>
               <a:ext uri="{FF2B5EF4-FFF2-40B4-BE49-F238E27FC236}">
-                <a16:creationId xmlns:a16="http://schemas.microsoft.com/office/drawing/2014/main" id="{06CFF208-75C7-4AEF-A4A0-6AE0A28FE85B}"/>
+                <a16:creationId xmlns:a16="http://schemas.microsoft.com/office/drawing/2014/main" id="{EE9FEC68-1D16-4492-B600-DD2D1D4AA4C2}"/>
               </a:ext>
             </a:extLst>
           </p:cNvPr>
@@ -17191,8 +17203,8 @@
         </p:blipFill>
         <p:spPr>
           <a:xfrm>
-            <a:off x="799403" y="1743639"/>
-            <a:ext cx="5192171" cy="1934884"/>
+            <a:off x="691078" y="1618998"/>
+            <a:ext cx="5300496" cy="2836022"/>
           </a:xfrm>
           <a:prstGeom prst="rect">
             <a:avLst/>
@@ -17201,10 +17213,10 @@
       </p:pic>
       <p:pic>
         <p:nvPicPr>
-          <p:cNvPr id="17" name="Picture 16">
+          <p:cNvPr id="6" name="Picture 5">
             <a:extLst>
               <a:ext uri="{FF2B5EF4-FFF2-40B4-BE49-F238E27FC236}">
-                <a16:creationId xmlns:a16="http://schemas.microsoft.com/office/drawing/2014/main" id="{26644577-0A41-47E9-B631-2F9FF1D7B97C}"/>
+                <a16:creationId xmlns:a16="http://schemas.microsoft.com/office/drawing/2014/main" id="{9A1FBB25-43CC-4C81-84D8-C7CDC81AA873}"/>
               </a:ext>
             </a:extLst>
           </p:cNvPr>
@@ -17221,8 +17233,8 @@
         </p:blipFill>
         <p:spPr>
           <a:xfrm>
-            <a:off x="6366226" y="4247295"/>
-            <a:ext cx="5134691" cy="1958196"/>
+            <a:off x="6366227" y="3788338"/>
+            <a:ext cx="5637439" cy="2986191"/>
           </a:xfrm>
           <a:prstGeom prst="rect">
             <a:avLst/>
@@ -17260,7 +17272,7 @@
                             </p:stCondLst>
                             <p:childTnLst>
                               <p:par>
-                                <p:cTn id="5" presetID="1" presetClass="entr" presetSubtype="0" fill="hold" nodeType="clickEffect">
+                                <p:cTn id="5" presetID="14" presetClass="entr" presetSubtype="10" fill="hold" nodeType="clickEffect">
                                   <p:stCondLst>
                                     <p:cond delay="0"/>
                                   </p:stCondLst>
@@ -17273,7 +17285,7 @@
                                           </p:stCondLst>
                                         </p:cTn>
                                         <p:tgtEl>
-                                          <p:spTgt spid="15"/>
+                                          <p:spTgt spid="4"/>
                                         </p:tgtEl>
                                         <p:attrNameLst>
                                           <p:attrName>style.visibility</p:attrName>
@@ -17283,6 +17295,14 @@
                                         <p:strVal val="visible"/>
                                       </p:to>
                                     </p:set>
+                                    <p:animEffect transition="in" filter="randombar(horizontal)">
+                                      <p:cBhvr>
+                                        <p:cTn id="7" dur="500"/>
+                                        <p:tgtEl>
+                                          <p:spTgt spid="4"/>
+                                        </p:tgtEl>
+                                      </p:cBhvr>
+                                    </p:animEffect>
                                   </p:childTnLst>
                                 </p:cTn>
                               </p:par>
@@ -17293,32 +17313,32 @@
                     </p:cTn>
                   </p:par>
                   <p:par>
-                    <p:cTn id="7" fill="hold">
+                    <p:cTn id="8" fill="hold">
                       <p:stCondLst>
                         <p:cond delay="indefinite"/>
                       </p:stCondLst>
                       <p:childTnLst>
                         <p:par>
-                          <p:cTn id="8" fill="hold">
+                          <p:cTn id="9" fill="hold">
                             <p:stCondLst>
                               <p:cond delay="0"/>
                             </p:stCondLst>
                             <p:childTnLst>
                               <p:par>
-                                <p:cTn id="9" presetID="1" presetClass="entr" presetSubtype="0" fill="hold" nodeType="clickEffect">
+                                <p:cTn id="10" presetID="14" presetClass="entr" presetSubtype="10" fill="hold" nodeType="clickEffect">
                                   <p:stCondLst>
                                     <p:cond delay="0"/>
                                   </p:stCondLst>
                                   <p:childTnLst>
                                     <p:set>
                                       <p:cBhvr>
-                                        <p:cTn id="10" dur="1" fill="hold">
+                                        <p:cTn id="11" dur="1" fill="hold">
                                           <p:stCondLst>
                                             <p:cond delay="0"/>
                                           </p:stCondLst>
                                         </p:cTn>
                                         <p:tgtEl>
-                                          <p:spTgt spid="17"/>
+                                          <p:spTgt spid="6"/>
                                         </p:tgtEl>
                                         <p:attrNameLst>
                                           <p:attrName>style.visibility</p:attrName>
@@ -17328,6 +17348,14 @@
                                         <p:strVal val="visible"/>
                                       </p:to>
                                     </p:set>
+                                    <p:animEffect transition="in" filter="randombar(horizontal)">
+                                      <p:cBhvr>
+                                        <p:cTn id="12" dur="500"/>
+                                        <p:tgtEl>
+                                          <p:spTgt spid="6"/>
+                                        </p:tgtEl>
+                                      </p:cBhvr>
+                                    </p:animEffect>
                                   </p:childTnLst>
                                 </p:cTn>
                               </p:par>
